--- a/06_PipelineData.pptx
+++ b/06_PipelineData.pptx
@@ -5,19 +5,20 @@
     <p:sldMasterId id="2147483648" r:id="rId1"/>
   </p:sldMasterIdLst>
   <p:notesMasterIdLst>
-    <p:notesMasterId r:id="rId12"/>
+    <p:notesMasterId r:id="rId13"/>
   </p:notesMasterIdLst>
   <p:sldIdLst>
     <p:sldId id="256" r:id="rId2"/>
     <p:sldId id="258" r:id="rId3"/>
     <p:sldId id="268" r:id="rId4"/>
     <p:sldId id="269" r:id="rId5"/>
-    <p:sldId id="270" r:id="rId6"/>
-    <p:sldId id="271" r:id="rId7"/>
-    <p:sldId id="266" r:id="rId8"/>
-    <p:sldId id="267" r:id="rId9"/>
-    <p:sldId id="272" r:id="rId10"/>
-    <p:sldId id="259" r:id="rId11"/>
+    <p:sldId id="273" r:id="rId6"/>
+    <p:sldId id="270" r:id="rId7"/>
+    <p:sldId id="271" r:id="rId8"/>
+    <p:sldId id="266" r:id="rId9"/>
+    <p:sldId id="267" r:id="rId10"/>
+    <p:sldId id="272" r:id="rId11"/>
+    <p:sldId id="259" r:id="rId12"/>
   </p:sldIdLst>
   <p:sldSz cx="9144000" cy="6858000" type="screen4x3"/>
   <p:notesSz cx="6858000" cy="9144000"/>
@@ -3617,9 +3618,229 @@
         </p:nvSpPr>
         <p:spPr>
           <a:xfrm>
-            <a:off x="0" y="2130425"/>
-            <a:ext cx="9144000" cy="1470025"/>
-          </a:xfrm>
+            <a:off x="0" y="1"/>
+            <a:ext cx="9144000" cy="764704"/>
+          </a:xfrm>
+          <a:gradFill flip="none" rotWithShape="1">
+            <a:gsLst>
+              <a:gs pos="0">
+                <a:srgbClr val="C00000">
+                  <a:shade val="30000"/>
+                  <a:satMod val="115000"/>
+                </a:srgbClr>
+              </a:gs>
+              <a:gs pos="50000">
+                <a:srgbClr val="C00000">
+                  <a:shade val="67500"/>
+                  <a:satMod val="115000"/>
+                </a:srgbClr>
+              </a:gs>
+              <a:gs pos="100000">
+                <a:srgbClr val="C00000">
+                  <a:shade val="100000"/>
+                  <a:satMod val="115000"/>
+                </a:srgbClr>
+              </a:gs>
+            </a:gsLst>
+            <a:path path="circle">
+              <a:fillToRect t="100000" r="100000"/>
+            </a:path>
+            <a:tileRect l="-100000" b="-100000"/>
+          </a:gradFill>
+        </p:spPr>
+        <p:txBody>
+          <a:bodyPr>
+            <a:normAutofit/>
+          </a:bodyPr>
+          <a:lstStyle/>
+          <a:p>
+            <a:pPr algn="l"/>
+            <a:r>
+              <a:rPr lang="en-US" altLang="zh-TW" b="1" dirty="0">
+                <a:solidFill>
+                  <a:srgbClr val="FFFF00"/>
+                </a:solidFill>
+              </a:rPr>
+              <a:t>6.1 Quiz</a:t>
+            </a:r>
+            <a:endParaRPr lang="zh-TW" altLang="en-US" b="1" dirty="0">
+              <a:solidFill>
+                <a:srgbClr val="FFFF00"/>
+              </a:solidFill>
+            </a:endParaRPr>
+          </a:p>
+        </p:txBody>
+      </p:sp>
+      <p:sp>
+        <p:nvSpPr>
+          <p:cNvPr id="3" name="副標題 2"/>
+          <p:cNvSpPr>
+            <a:spLocks noGrp="1"/>
+          </p:cNvSpPr>
+          <p:nvPr>
+            <p:ph type="subTitle" idx="1"/>
+          </p:nvPr>
+        </p:nvSpPr>
+        <p:spPr>
+          <a:xfrm>
+            <a:off x="425697" y="1259368"/>
+            <a:ext cx="8106743" cy="2673688"/>
+          </a:xfrm>
+          <a:ln>
+            <a:solidFill>
+              <a:srgbClr val="C00000"/>
+            </a:solidFill>
+          </a:ln>
+        </p:spPr>
+        <p:txBody>
+          <a:bodyPr>
+            <a:noAutofit/>
+          </a:bodyPr>
+          <a:lstStyle/>
+          <a:p>
+            <a:pPr marL="342900" indent="-342900" algn="l">
+              <a:buClr>
+                <a:srgbClr val="0070C0"/>
+              </a:buClr>
+              <a:buSzPct val="80000"/>
+              <a:buFont typeface="Wingdings" pitchFamily="2" charset="2"/>
+              <a:buChar char="u"/>
+            </a:pPr>
+            <a:r>
+              <a:rPr lang="en-US" sz="1800" b="1" dirty="0">
+                <a:solidFill>
+                  <a:schemeClr val="tx1"/>
+                </a:solidFill>
+              </a:rPr>
+              <a:t>Quiz</a:t>
+            </a:r>
+          </a:p>
+          <a:p>
+            <a:pPr marL="342900" indent="-342900" algn="l">
+              <a:buClr>
+                <a:srgbClr val="0070C0"/>
+              </a:buClr>
+              <a:buSzPct val="80000"/>
+              <a:buFont typeface="Wingdings" pitchFamily="2" charset="2"/>
+              <a:buChar char="u"/>
+            </a:pPr>
+            <a:r>
+              <a:rPr lang="en-US" sz="1800" dirty="0">
+                <a:solidFill>
+                  <a:schemeClr val="tx1"/>
+                </a:solidFill>
+              </a:rPr>
+              <a:t>5. What is vectorization?</a:t>
+            </a:r>
+          </a:p>
+          <a:p>
+            <a:pPr marL="342900" indent="-342900" algn="l">
+              <a:buClr>
+                <a:srgbClr val="0070C0"/>
+              </a:buClr>
+              <a:buSzPct val="80000"/>
+              <a:buFont typeface="Wingdings" pitchFamily="2" charset="2"/>
+              <a:buChar char="u"/>
+            </a:pPr>
+            <a:r>
+              <a:rPr lang="en-US" sz="1800" dirty="0">
+                <a:solidFill>
+                  <a:schemeClr val="tx1"/>
+                </a:solidFill>
+              </a:rPr>
+              <a:t>Ans: change the text into numbers.</a:t>
+            </a:r>
+          </a:p>
+          <a:p>
+            <a:pPr marL="342900" indent="-342900" algn="l">
+              <a:buClr>
+                <a:srgbClr val="0070C0"/>
+              </a:buClr>
+              <a:buSzPct val="80000"/>
+              <a:buFont typeface="Wingdings" pitchFamily="2" charset="2"/>
+              <a:buChar char="u"/>
+            </a:pPr>
+            <a:r>
+              <a:rPr lang="en-US" sz="1800" dirty="0">
+                <a:solidFill>
+                  <a:schemeClr val="tx1"/>
+                </a:solidFill>
+              </a:rPr>
+              <a:t>6. What is ML algorithm?</a:t>
+            </a:r>
+          </a:p>
+          <a:p>
+            <a:pPr marL="342900" indent="-342900" algn="l">
+              <a:buClr>
+                <a:srgbClr val="0070C0"/>
+              </a:buClr>
+              <a:buSzPct val="80000"/>
+              <a:buFont typeface="Wingdings" pitchFamily="2" charset="2"/>
+              <a:buChar char="u"/>
+            </a:pPr>
+            <a:r>
+              <a:rPr lang="en-US" sz="1800" dirty="0">
+                <a:solidFill>
+                  <a:schemeClr val="tx1"/>
+                </a:solidFill>
+              </a:rPr>
+              <a:t>Ans: Training the data and generate the ML Model.</a:t>
+            </a:r>
+          </a:p>
+          <a:p>
+            <a:pPr marL="342900" indent="-342900" algn="l">
+              <a:buClr>
+                <a:srgbClr val="0070C0"/>
+              </a:buClr>
+              <a:buSzPct val="80000"/>
+              <a:buFont typeface="Wingdings" pitchFamily="2" charset="2"/>
+              <a:buChar char="u"/>
+            </a:pPr>
+            <a:r>
+              <a:rPr lang="en-US" sz="1800" dirty="0">
+                <a:solidFill>
+                  <a:schemeClr val="tx1"/>
+                </a:solidFill>
+              </a:rPr>
+              <a:t>7. What is Spam filter?</a:t>
+            </a:r>
+          </a:p>
+          <a:p>
+            <a:pPr marL="342900" indent="-342900" algn="l">
+              <a:buClr>
+                <a:srgbClr val="0070C0"/>
+              </a:buClr>
+              <a:buSzPct val="80000"/>
+              <a:buFont typeface="Wingdings" pitchFamily="2" charset="2"/>
+              <a:buChar char="u"/>
+            </a:pPr>
+            <a:r>
+              <a:rPr lang="en-US" sz="1800" dirty="0">
+                <a:solidFill>
+                  <a:schemeClr val="tx1"/>
+                </a:solidFill>
+              </a:rPr>
+              <a:t>Ans: Spam filter is a ML Model for classifier. It is used to predict the spam or ham mail with input data.</a:t>
+            </a:r>
+          </a:p>
+        </p:txBody>
+      </p:sp>
+      <p:sp>
+        <p:nvSpPr>
+          <p:cNvPr id="4" name="標題 1"/>
+          <p:cNvSpPr txBox="1">
+            <a:spLocks/>
+          </p:cNvSpPr>
+          <p:nvPr/>
+        </p:nvSpPr>
+        <p:spPr>
+          <a:xfrm>
+            <a:off x="0" y="764704"/>
+            <a:ext cx="9144000" cy="360040"/>
+          </a:xfrm>
+          <a:prstGeom prst="rect">
+            <a:avLst/>
+          </a:prstGeom>
           <a:gradFill flip="none" rotWithShape="1">
             <a:gsLst>
               <a:gs pos="0">
@@ -3648,6 +3869,147 @@
           </a:gradFill>
         </p:spPr>
         <p:txBody>
+          <a:bodyPr vert="horz" lIns="91440" tIns="45720" rIns="91440" bIns="45720" rtlCol="0" anchor="ctr">
+            <a:normAutofit/>
+          </a:bodyPr>
+          <a:lstStyle/>
+          <a:p>
+            <a:pPr lvl="0">
+              <a:spcBef>
+                <a:spcPct val="0"/>
+              </a:spcBef>
+            </a:pPr>
+            <a:r>
+              <a:rPr lang="en-US" sz="1600" dirty="0">
+                <a:hlinkClick r:id="rId2"/>
+              </a:rPr>
+              <a:t>https://www.youtube.com/watch?v=0JW8YT-jxmw&amp;list=PL1w8k37X_6L-fBgXCiCsn6ugDsr1Nmfqk&amp;index=6</a:t>
+            </a:r>
+            <a:endParaRPr lang="zh-TW" altLang="en-US" sz="1600" dirty="0"/>
+          </a:p>
+        </p:txBody>
+      </p:sp>
+      <p:sp>
+        <p:nvSpPr>
+          <p:cNvPr id="5" name="日期版面配置區 4"/>
+          <p:cNvSpPr>
+            <a:spLocks noGrp="1"/>
+          </p:cNvSpPr>
+          <p:nvPr>
+            <p:ph type="dt" sz="half" idx="10"/>
+          </p:nvPr>
+        </p:nvSpPr>
+        <p:spPr/>
+        <p:txBody>
+          <a:bodyPr/>
+          <a:lstStyle/>
+          <a:p>
+            <a:fld id="{A4F910E6-8D00-4BAF-8C48-9688E0B449D3}" type="datetime1">
+              <a:rPr lang="zh-TW" altLang="en-US" smtClean="0"/>
+              <a:pPr/>
+              <a:t>2020/6/18</a:t>
+            </a:fld>
+            <a:endParaRPr lang="zh-TW" altLang="en-US"/>
+          </a:p>
+        </p:txBody>
+      </p:sp>
+      <p:sp>
+        <p:nvSpPr>
+          <p:cNvPr id="6" name="投影片編號版面配置區 5"/>
+          <p:cNvSpPr>
+            <a:spLocks noGrp="1"/>
+          </p:cNvSpPr>
+          <p:nvPr>
+            <p:ph type="sldNum" sz="quarter" idx="12"/>
+          </p:nvPr>
+        </p:nvSpPr>
+        <p:spPr/>
+        <p:txBody>
+          <a:bodyPr/>
+          <a:lstStyle/>
+          <a:p>
+            <a:fld id="{E4D7E63D-91F2-4366-A2C4-1B00C9E2590E}" type="slidenum">
+              <a:rPr lang="zh-TW" altLang="en-US" smtClean="0"/>
+              <a:pPr/>
+              <a:t>10</a:t>
+            </a:fld>
+            <a:endParaRPr lang="zh-TW" altLang="en-US"/>
+          </a:p>
+        </p:txBody>
+      </p:sp>
+    </p:spTree>
+    <p:extLst>
+      <p:ext uri="{BB962C8B-B14F-4D97-AF65-F5344CB8AC3E}">
+        <p14:creationId xmlns:p14="http://schemas.microsoft.com/office/powerpoint/2010/main" val="3789832589"/>
+      </p:ext>
+    </p:extLst>
+  </p:cSld>
+  <p:clrMapOvr>
+    <a:masterClrMapping/>
+  </p:clrMapOvr>
+</p:sld>
+</file>
+
+<file path=ppt/slides/slide11.xml><?xml version="1.0" encoding="utf-8"?>
+<p:sld xmlns:a="http://schemas.openxmlformats.org/drawingml/2006/main" xmlns:r="http://schemas.openxmlformats.org/officeDocument/2006/relationships" xmlns:p="http://schemas.openxmlformats.org/presentationml/2006/main">
+  <p:cSld>
+    <p:spTree>
+      <p:nvGrpSpPr>
+        <p:cNvPr id="1" name=""/>
+        <p:cNvGrpSpPr/>
+        <p:nvPr/>
+      </p:nvGrpSpPr>
+      <p:grpSpPr>
+        <a:xfrm>
+          <a:off x="0" y="0"/>
+          <a:ext cx="0" cy="0"/>
+          <a:chOff x="0" y="0"/>
+          <a:chExt cx="0" cy="0"/>
+        </a:xfrm>
+      </p:grpSpPr>
+      <p:sp>
+        <p:nvSpPr>
+          <p:cNvPr id="2" name="標題 1"/>
+          <p:cNvSpPr>
+            <a:spLocks noGrp="1"/>
+          </p:cNvSpPr>
+          <p:nvPr>
+            <p:ph type="ctrTitle"/>
+          </p:nvPr>
+        </p:nvSpPr>
+        <p:spPr>
+          <a:xfrm>
+            <a:off x="0" y="2130425"/>
+            <a:ext cx="9144000" cy="1470025"/>
+          </a:xfrm>
+          <a:gradFill flip="none" rotWithShape="1">
+            <a:gsLst>
+              <a:gs pos="0">
+                <a:srgbClr val="00B0F0">
+                  <a:shade val="30000"/>
+                  <a:satMod val="115000"/>
+                </a:srgbClr>
+              </a:gs>
+              <a:gs pos="50000">
+                <a:srgbClr val="00B0F0">
+                  <a:shade val="67500"/>
+                  <a:satMod val="115000"/>
+                </a:srgbClr>
+              </a:gs>
+              <a:gs pos="100000">
+                <a:srgbClr val="00B0F0">
+                  <a:shade val="100000"/>
+                  <a:satMod val="115000"/>
+                </a:srgbClr>
+              </a:gs>
+            </a:gsLst>
+            <a:path path="circle">
+              <a:fillToRect t="100000" r="100000"/>
+            </a:path>
+            <a:tileRect l="-100000" b="-100000"/>
+          </a:gradFill>
+        </p:spPr>
+        <p:txBody>
           <a:bodyPr>
             <a:normAutofit/>
           </a:bodyPr>
@@ -3711,7 +4073,7 @@
             <a:fld id="{E4D7E63D-91F2-4366-A2C4-1B00C9E2590E}" type="slidenum">
               <a:rPr lang="zh-TW" altLang="en-US" smtClean="0"/>
               <a:pPr/>
-              <a:t>10</a:t>
+              <a:t>11</a:t>
             </a:fld>
             <a:endParaRPr lang="zh-TW" altLang="en-US"/>
           </a:p>
@@ -6666,7 +7028,7 @@
         <p:spPr>
           <a:xfrm>
             <a:off x="333872" y="1356856"/>
-            <a:ext cx="8352928" cy="1443234"/>
+            <a:ext cx="8352928" cy="707711"/>
           </a:xfrm>
           <a:ln>
             <a:solidFill>
@@ -6712,7 +7074,7 @@
                   <a:schemeClr val="tx1"/>
                 </a:solidFill>
               </a:rPr>
-              <a:t>ML Algorithm: Once we have the text data into numerical presentation, we are ready for Machine Learning algorithm. We input the extra data for the corresponding label: Spam/Ham</a:t>
+              <a:t>Vectorization: Convert the text into numbers. </a:t>
             </a:r>
           </a:p>
         </p:txBody>
@@ -7144,7 +7506,7 @@
             <a:avLst/>
           </a:prstGeom>
           <a:solidFill>
-            <a:schemeClr val="accent1"/>
+            <a:srgbClr val="00B050"/>
           </a:solidFill>
         </p:spPr>
         <p:style>
@@ -7241,9 +7603,6 @@
           <a:prstGeom prst="roundRect">
             <a:avLst/>
           </a:prstGeom>
-          <a:solidFill>
-            <a:srgbClr val="00B050"/>
-          </a:solidFill>
         </p:spPr>
         <p:style>
           <a:lnRef idx="2">
@@ -7422,10 +7781,10 @@
       </p:sp>
       <p:sp>
         <p:nvSpPr>
-          <p:cNvPr id="7" name="TextBox 6">
+          <p:cNvPr id="21" name="TextBox 20">
             <a:extLst>
               <a:ext uri="{FF2B5EF4-FFF2-40B4-BE49-F238E27FC236}">
-                <a16:creationId xmlns:a16="http://schemas.microsoft.com/office/drawing/2014/main" id="{FAA68494-E372-42F1-92A0-ED37082ACBCD}"/>
+                <a16:creationId xmlns:a16="http://schemas.microsoft.com/office/drawing/2014/main" id="{4379024B-EBDD-4467-902B-AD4B567E97EA}"/>
               </a:ext>
             </a:extLst>
           </p:cNvPr>
@@ -7434,8 +7793,8 @@
         </p:nvSpPr>
         <p:spPr>
           <a:xfrm>
-            <a:off x="3563888" y="4565040"/>
-            <a:ext cx="2232248" cy="369332"/>
+            <a:off x="7225029" y="4445136"/>
+            <a:ext cx="1235404" cy="369332"/>
           </a:xfrm>
           <a:prstGeom prst="rect">
             <a:avLst/>
@@ -7457,17 +7816,17 @@
           <a:p>
             <a:r>
               <a:rPr lang="en-US" dirty="0"/>
-              <a:t>Text Data: Spam/Ham</a:t>
-            </a:r>
-          </a:p>
-        </p:txBody>
-      </p:sp>
-      <p:sp>
-        <p:nvSpPr>
-          <p:cNvPr id="20" name="TextBox 19">
+              <a:t>Stem Texts</a:t>
+            </a:r>
+          </a:p>
+        </p:txBody>
+      </p:sp>
+      <p:sp>
+        <p:nvSpPr>
+          <p:cNvPr id="22" name="TextBox 21">
             <a:extLst>
               <a:ext uri="{FF2B5EF4-FFF2-40B4-BE49-F238E27FC236}">
-                <a16:creationId xmlns:a16="http://schemas.microsoft.com/office/drawing/2014/main" id="{917E59CB-A7C6-40F5-A7CF-1AF4D93768BF}"/>
+                <a16:creationId xmlns:a16="http://schemas.microsoft.com/office/drawing/2014/main" id="{2EC00565-38CE-42A1-9FCB-737F6847BCB1}"/>
               </a:ext>
             </a:extLst>
           </p:cNvPr>
@@ -7507,7 +7866,7 @@
     </p:spTree>
     <p:extLst>
       <p:ext uri="{BB962C8B-B14F-4D97-AF65-F5344CB8AC3E}">
-        <p14:creationId xmlns:p14="http://schemas.microsoft.com/office/powerpoint/2010/main" val="337262285"/>
+        <p14:creationId xmlns:p14="http://schemas.microsoft.com/office/powerpoint/2010/main" val="1428578264"/>
       </p:ext>
     </p:extLst>
   </p:cSld>
@@ -7612,7 +7971,7 @@
         <p:spPr>
           <a:xfrm>
             <a:off x="333872" y="1356856"/>
-            <a:ext cx="8352928" cy="1152578"/>
+            <a:ext cx="8352928" cy="1443234"/>
           </a:xfrm>
           <a:ln>
             <a:solidFill>
@@ -7658,25 +8017,7 @@
                   <a:schemeClr val="tx1"/>
                 </a:solidFill>
               </a:rPr>
-              <a:t>After ML Algorithm, we have ML Model.</a:t>
-            </a:r>
-          </a:p>
-          <a:p>
-            <a:pPr marL="342900" indent="-342900" algn="l">
-              <a:buClr>
-                <a:srgbClr val="0070C0"/>
-              </a:buClr>
-              <a:buSzPct val="80000"/>
-              <a:buFont typeface="Wingdings" pitchFamily="2" charset="2"/>
-              <a:buChar char="u"/>
-            </a:pPr>
-            <a:r>
-              <a:rPr lang="en-US" sz="1800" dirty="0">
-                <a:solidFill>
-                  <a:schemeClr val="tx1"/>
-                </a:solidFill>
-              </a:rPr>
-              <a:t>We can deploy the Spam Filter.</a:t>
+              <a:t>ML Algorithm: Once we have the text data into numerical presentation, we are ready for Machine Learning algorithm. We input the extra data for the corresponding label: Spam/Ham</a:t>
             </a:r>
           </a:p>
         </p:txBody>
@@ -8206,7 +8547,7 @@
             <a:avLst/>
           </a:prstGeom>
           <a:solidFill>
-            <a:schemeClr val="accent1"/>
+            <a:srgbClr val="00B050"/>
           </a:solidFill>
         </p:spPr>
         <p:style>
@@ -8303,9 +8644,6 @@
           <a:prstGeom prst="roundRect">
             <a:avLst/>
           </a:prstGeom>
-          <a:solidFill>
-            <a:srgbClr val="00B050"/>
-          </a:solidFill>
         </p:spPr>
         <p:style>
           <a:lnRef idx="2">
@@ -8389,10 +8727,10 @@
       </p:sp>
       <p:sp>
         <p:nvSpPr>
-          <p:cNvPr id="20" name="TextBox 19">
+          <p:cNvPr id="7" name="TextBox 6">
             <a:extLst>
               <a:ext uri="{FF2B5EF4-FFF2-40B4-BE49-F238E27FC236}">
-                <a16:creationId xmlns:a16="http://schemas.microsoft.com/office/drawing/2014/main" id="{917E59CB-A7C6-40F5-A7CF-1AF4D93768BF}"/>
+                <a16:creationId xmlns:a16="http://schemas.microsoft.com/office/drawing/2014/main" id="{FAA68494-E372-42F1-92A0-ED37082ACBCD}"/>
               </a:ext>
             </a:extLst>
           </p:cNvPr>
@@ -8401,8 +8739,8 @@
         </p:nvSpPr>
         <p:spPr>
           <a:xfrm>
-            <a:off x="1691681" y="4554002"/>
-            <a:ext cx="1265590" cy="369332"/>
+            <a:off x="3563888" y="4565040"/>
+            <a:ext cx="2232248" cy="369332"/>
           </a:xfrm>
           <a:prstGeom prst="rect">
             <a:avLst/>
@@ -8424,7 +8762,49 @@
           <a:p>
             <a:r>
               <a:rPr lang="en-US" dirty="0"/>
-              <a:t>ML Model</a:t>
+              <a:t>Text Data: Spam/Ham</a:t>
+            </a:r>
+          </a:p>
+        </p:txBody>
+      </p:sp>
+      <p:sp>
+        <p:nvSpPr>
+          <p:cNvPr id="20" name="TextBox 19">
+            <a:extLst>
+              <a:ext uri="{FF2B5EF4-FFF2-40B4-BE49-F238E27FC236}">
+                <a16:creationId xmlns:a16="http://schemas.microsoft.com/office/drawing/2014/main" id="{917E59CB-A7C6-40F5-A7CF-1AF4D93768BF}"/>
+              </a:ext>
+            </a:extLst>
+          </p:cNvPr>
+          <p:cNvSpPr txBox="1"/>
+          <p:nvPr/>
+        </p:nvSpPr>
+        <p:spPr>
+          <a:xfrm>
+            <a:off x="5306778" y="5890652"/>
+            <a:ext cx="1070593" cy="369332"/>
+          </a:xfrm>
+          <a:prstGeom prst="rect">
+            <a:avLst/>
+          </a:prstGeom>
+          <a:solidFill>
+            <a:schemeClr val="bg1"/>
+          </a:solidFill>
+          <a:ln>
+            <a:solidFill>
+              <a:srgbClr val="C00000"/>
+            </a:solidFill>
+          </a:ln>
+        </p:spPr>
+        <p:txBody>
+          <a:bodyPr wrap="square" rtlCol="0">
+            <a:spAutoFit/>
+          </a:bodyPr>
+          <a:lstStyle/>
+          <a:p>
+            <a:r>
+              <a:rPr lang="en-US" dirty="0"/>
+              <a:t>Numbers</a:t>
             </a:r>
           </a:p>
         </p:txBody>
@@ -8432,7 +8812,7 @@
     </p:spTree>
     <p:extLst>
       <p:ext uri="{BB962C8B-B14F-4D97-AF65-F5344CB8AC3E}">
-        <p14:creationId xmlns:p14="http://schemas.microsoft.com/office/powerpoint/2010/main" val="1129593677"/>
+        <p14:creationId xmlns:p14="http://schemas.microsoft.com/office/powerpoint/2010/main" val="337262285"/>
       </p:ext>
     </p:extLst>
   </p:cSld>
@@ -8471,155 +8851,6 @@
         </p:nvSpPr>
         <p:spPr>
           <a:xfrm>
-            <a:off x="0" y="2130425"/>
-            <a:ext cx="9144000" cy="1470025"/>
-          </a:xfrm>
-          <a:solidFill>
-            <a:srgbClr val="00B0F0"/>
-          </a:solidFill>
-        </p:spPr>
-        <p:txBody>
-          <a:bodyPr>
-            <a:normAutofit/>
-          </a:bodyPr>
-          <a:lstStyle/>
-          <a:p>
-            <a:r>
-              <a:rPr lang="en-US" altLang="zh-TW" sz="4800" b="1" dirty="0">
-                <a:solidFill>
-                  <a:srgbClr val="FFFF00"/>
-                </a:solidFill>
-              </a:rPr>
-              <a:t>6.1 Quiz</a:t>
-            </a:r>
-            <a:endParaRPr lang="zh-TW" altLang="en-US" sz="4800" b="1" dirty="0">
-              <a:solidFill>
-                <a:srgbClr val="FFFF00"/>
-              </a:solidFill>
-            </a:endParaRPr>
-          </a:p>
-        </p:txBody>
-      </p:sp>
-      <p:sp>
-        <p:nvSpPr>
-          <p:cNvPr id="5" name="日期版面配置區 4"/>
-          <p:cNvSpPr>
-            <a:spLocks noGrp="1"/>
-          </p:cNvSpPr>
-          <p:nvPr>
-            <p:ph type="dt" sz="half" idx="10"/>
-          </p:nvPr>
-        </p:nvSpPr>
-        <p:spPr/>
-        <p:txBody>
-          <a:bodyPr/>
-          <a:lstStyle/>
-          <a:p>
-            <a:fld id="{C389EDC9-19E3-47AC-9C57-C6A24DEA81AD}" type="datetime1">
-              <a:rPr lang="zh-TW" altLang="en-US" smtClean="0"/>
-              <a:pPr/>
-              <a:t>2020/6/18</a:t>
-            </a:fld>
-            <a:endParaRPr lang="zh-TW" altLang="en-US"/>
-          </a:p>
-        </p:txBody>
-      </p:sp>
-      <p:sp>
-        <p:nvSpPr>
-          <p:cNvPr id="6" name="投影片編號版面配置區 5"/>
-          <p:cNvSpPr>
-            <a:spLocks noGrp="1"/>
-          </p:cNvSpPr>
-          <p:nvPr>
-            <p:ph type="sldNum" sz="quarter" idx="12"/>
-          </p:nvPr>
-        </p:nvSpPr>
-        <p:spPr/>
-        <p:txBody>
-          <a:bodyPr/>
-          <a:lstStyle/>
-          <a:p>
-            <a:fld id="{E4D7E63D-91F2-4366-A2C4-1B00C9E2590E}" type="slidenum">
-              <a:rPr lang="zh-TW" altLang="en-US" smtClean="0"/>
-              <a:pPr/>
-              <a:t>7</a:t>
-            </a:fld>
-            <a:endParaRPr lang="zh-TW" altLang="en-US"/>
-          </a:p>
-        </p:txBody>
-      </p:sp>
-      <p:pic>
-        <p:nvPicPr>
-          <p:cNvPr id="7" name="Picture 6">
-            <a:extLst>
-              <a:ext uri="{FF2B5EF4-FFF2-40B4-BE49-F238E27FC236}">
-                <a16:creationId xmlns:a16="http://schemas.microsoft.com/office/drawing/2014/main" id="{1BE488C5-DA27-405E-9F7E-A4EF5DF95762}"/>
-              </a:ext>
-            </a:extLst>
-          </p:cNvPr>
-          <p:cNvPicPr>
-            <a:picLocks noChangeAspect="1"/>
-          </p:cNvPicPr>
-          <p:nvPr/>
-        </p:nvPicPr>
-        <p:blipFill>
-          <a:blip r:embed="rId2"/>
-          <a:stretch>
-            <a:fillRect/>
-          </a:stretch>
-        </p:blipFill>
-        <p:spPr>
-          <a:xfrm>
-            <a:off x="3923928" y="3695964"/>
-            <a:ext cx="1004960" cy="885164"/>
-          </a:xfrm>
-          <a:prstGeom prst="rect">
-            <a:avLst/>
-          </a:prstGeom>
-        </p:spPr>
-      </p:pic>
-    </p:spTree>
-    <p:extLst>
-      <p:ext uri="{BB962C8B-B14F-4D97-AF65-F5344CB8AC3E}">
-        <p14:creationId xmlns:p14="http://schemas.microsoft.com/office/powerpoint/2010/main" val="2473554574"/>
-      </p:ext>
-    </p:extLst>
-  </p:cSld>
-  <p:clrMapOvr>
-    <a:masterClrMapping/>
-  </p:clrMapOvr>
-</p:sld>
-</file>
-
-<file path=ppt/slides/slide8.xml><?xml version="1.0" encoding="utf-8"?>
-<p:sld xmlns:a="http://schemas.openxmlformats.org/drawingml/2006/main" xmlns:r="http://schemas.openxmlformats.org/officeDocument/2006/relationships" xmlns:p="http://schemas.openxmlformats.org/presentationml/2006/main">
-  <p:cSld>
-    <p:spTree>
-      <p:nvGrpSpPr>
-        <p:cNvPr id="1" name=""/>
-        <p:cNvGrpSpPr/>
-        <p:nvPr/>
-      </p:nvGrpSpPr>
-      <p:grpSpPr>
-        <a:xfrm>
-          <a:off x="0" y="0"/>
-          <a:ext cx="0" cy="0"/>
-          <a:chOff x="0" y="0"/>
-          <a:chExt cx="0" cy="0"/>
-        </a:xfrm>
-      </p:grpSpPr>
-      <p:sp>
-        <p:nvSpPr>
-          <p:cNvPr id="2" name="標題 1"/>
-          <p:cNvSpPr>
-            <a:spLocks noGrp="1"/>
-          </p:cNvSpPr>
-          <p:nvPr>
-            <p:ph type="ctrTitle"/>
-          </p:nvPr>
-        </p:nvSpPr>
-        <p:spPr>
-          <a:xfrm>
             <a:off x="0" y="1"/>
             <a:ext cx="9144000" cy="764704"/>
           </a:xfrm>
@@ -8663,7 +8894,7 @@
                   <a:srgbClr val="FFFF00"/>
                 </a:solidFill>
               </a:rPr>
-              <a:t>6.1 Quiz</a:t>
+              <a:t>6 Pipeline Data</a:t>
             </a:r>
             <a:endParaRPr lang="zh-TW" altLang="en-US" b="1" dirty="0">
               <a:solidFill>
@@ -8685,8 +8916,8 @@
         </p:nvSpPr>
         <p:spPr>
           <a:xfrm>
-            <a:off x="425697" y="1259368"/>
-            <a:ext cx="8106743" cy="3609792"/>
+            <a:off x="333872" y="1356856"/>
+            <a:ext cx="8352928" cy="1152578"/>
           </a:xfrm>
           <a:ln>
             <a:solidFill>
@@ -8714,7 +8945,7 @@
                   <a:schemeClr val="tx1"/>
                 </a:solidFill>
               </a:rPr>
-              <a:t>Quiz</a:t>
+              <a:t>Pipeline Data</a:t>
             </a:r>
           </a:p>
           <a:p>
@@ -8732,7 +8963,7 @@
                   <a:schemeClr val="tx1"/>
                 </a:solidFill>
               </a:rPr>
-              <a:t>1. What is pipeline of text data in NLTK?</a:t>
+              <a:t>After ML Algorithm, we have ML Model.</a:t>
             </a:r>
           </a:p>
           <a:p>
@@ -8750,115 +8981,7 @@
                   <a:schemeClr val="tx1"/>
                 </a:solidFill>
               </a:rPr>
-              <a:t>Ans: Raw Data, tokenization, text cleaning, vectorization, ML algorithm, Spam Filter.</a:t>
-            </a:r>
-          </a:p>
-          <a:p>
-            <a:pPr marL="342900" indent="-342900" algn="l">
-              <a:buClr>
-                <a:srgbClr val="0070C0"/>
-              </a:buClr>
-              <a:buSzPct val="80000"/>
-              <a:buFont typeface="Wingdings" pitchFamily="2" charset="2"/>
-              <a:buChar char="u"/>
-            </a:pPr>
-            <a:r>
-              <a:rPr lang="en-US" sz="1800" dirty="0">
-                <a:solidFill>
-                  <a:schemeClr val="tx1"/>
-                </a:solidFill>
-              </a:rPr>
-              <a:t>2. What is Raw Data in pipeline text data?</a:t>
-            </a:r>
-          </a:p>
-          <a:p>
-            <a:pPr marL="342900" indent="-342900" algn="l">
-              <a:buClr>
-                <a:srgbClr val="0070C0"/>
-              </a:buClr>
-              <a:buSzPct val="80000"/>
-              <a:buFont typeface="Wingdings" pitchFamily="2" charset="2"/>
-              <a:buChar char="u"/>
-            </a:pPr>
-            <a:r>
-              <a:rPr lang="en-US" sz="1800" dirty="0">
-                <a:solidFill>
-                  <a:schemeClr val="tx1"/>
-                </a:solidFill>
-              </a:rPr>
-              <a:t>Ans: read the text data in character string from URL.</a:t>
-            </a:r>
-          </a:p>
-          <a:p>
-            <a:pPr marL="342900" indent="-342900" algn="l">
-              <a:buClr>
-                <a:srgbClr val="0070C0"/>
-              </a:buClr>
-              <a:buSzPct val="80000"/>
-              <a:buFont typeface="Wingdings" pitchFamily="2" charset="2"/>
-              <a:buChar char="u"/>
-            </a:pPr>
-            <a:r>
-              <a:rPr lang="en-US" sz="1800" dirty="0">
-                <a:solidFill>
-                  <a:schemeClr val="tx1"/>
-                </a:solidFill>
-              </a:rPr>
-              <a:t>3. What is tokenization?</a:t>
-            </a:r>
-          </a:p>
-          <a:p>
-            <a:pPr marL="342900" indent="-342900" algn="l">
-              <a:buClr>
-                <a:srgbClr val="0070C0"/>
-              </a:buClr>
-              <a:buSzPct val="80000"/>
-              <a:buFont typeface="Wingdings" pitchFamily="2" charset="2"/>
-              <a:buChar char="u"/>
-            </a:pPr>
-            <a:r>
-              <a:rPr lang="en-US" sz="1800" dirty="0">
-                <a:solidFill>
-                  <a:schemeClr val="tx1"/>
-                </a:solidFill>
-              </a:rPr>
-              <a:t>Ans: Convert characters strings into token array.</a:t>
-            </a:r>
-          </a:p>
-          <a:p>
-            <a:pPr marL="342900" indent="-342900" algn="l">
-              <a:buClr>
-                <a:srgbClr val="0070C0"/>
-              </a:buClr>
-              <a:buSzPct val="80000"/>
-              <a:buFont typeface="Wingdings" pitchFamily="2" charset="2"/>
-              <a:buChar char="u"/>
-            </a:pPr>
-            <a:r>
-              <a:rPr lang="en-US" sz="1800" dirty="0">
-                <a:solidFill>
-                  <a:schemeClr val="tx1"/>
-                </a:solidFill>
-              </a:rPr>
-              <a:t>4. What is text cleaning?</a:t>
-            </a:r>
-          </a:p>
-          <a:p>
-            <a:pPr marL="342900" indent="-342900" algn="l">
-              <a:buClr>
-                <a:srgbClr val="0070C0"/>
-              </a:buClr>
-              <a:buSzPct val="80000"/>
-              <a:buFont typeface="Wingdings" pitchFamily="2" charset="2"/>
-              <a:buChar char="u"/>
-            </a:pPr>
-            <a:r>
-              <a:rPr lang="en-US" sz="1800" dirty="0">
-                <a:solidFill>
-                  <a:schemeClr val="tx1"/>
-                </a:solidFill>
-              </a:rPr>
-              <a:t>Ans: Remove the irrelevant “stop words”, e.g., I, am, the, etc. and convert the words into stem, e.g., ‘using’ or ‘used’ change into original root word ‘use’.</a:t>
+              <a:t>We can deploy the Spam Filter.</a:t>
             </a:r>
           </a:p>
         </p:txBody>
@@ -8969,16 +9092,801 @@
             <a:fld id="{E4D7E63D-91F2-4366-A2C4-1B00C9E2590E}" type="slidenum">
               <a:rPr lang="zh-TW" altLang="en-US" smtClean="0"/>
               <a:pPr/>
+              <a:t>7</a:t>
+            </a:fld>
+            <a:endParaRPr lang="zh-TW" altLang="en-US"/>
+          </a:p>
+        </p:txBody>
+      </p:sp>
+      <p:sp>
+        <p:nvSpPr>
+          <p:cNvPr id="8" name="Rectangle: Rounded Corners 7">
+            <a:extLst>
+              <a:ext uri="{FF2B5EF4-FFF2-40B4-BE49-F238E27FC236}">
+                <a16:creationId xmlns:a16="http://schemas.microsoft.com/office/drawing/2014/main" id="{F3D86C37-D583-4D91-B25C-D8DC91855954}"/>
+              </a:ext>
+            </a:extLst>
+          </p:cNvPr>
+          <p:cNvSpPr/>
+          <p:nvPr/>
+        </p:nvSpPr>
+        <p:spPr>
+          <a:xfrm>
+            <a:off x="1547664" y="3429000"/>
+            <a:ext cx="1512168" cy="936104"/>
+          </a:xfrm>
+          <a:prstGeom prst="roundRect">
+            <a:avLst/>
+          </a:prstGeom>
+          <a:solidFill>
+            <a:schemeClr val="accent1"/>
+          </a:solidFill>
+        </p:spPr>
+        <p:style>
+          <a:lnRef idx="2">
+            <a:schemeClr val="accent1">
+              <a:shade val="50000"/>
+            </a:schemeClr>
+          </a:lnRef>
+          <a:fillRef idx="1">
+            <a:schemeClr val="accent1"/>
+          </a:fillRef>
+          <a:effectRef idx="0">
+            <a:schemeClr val="accent1"/>
+          </a:effectRef>
+          <a:fontRef idx="minor">
+            <a:schemeClr val="lt1"/>
+          </a:fontRef>
+        </p:style>
+        <p:txBody>
+          <a:bodyPr rtlCol="0" anchor="ctr"/>
+          <a:lstStyle/>
+          <a:p>
+            <a:pPr algn="ctr"/>
+            <a:r>
+              <a:rPr lang="en-US" dirty="0"/>
+              <a:t>Raw Data</a:t>
+            </a:r>
+          </a:p>
+        </p:txBody>
+      </p:sp>
+      <p:sp>
+        <p:nvSpPr>
+          <p:cNvPr id="9" name="Rectangle: Rounded Corners 8">
+            <a:extLst>
+              <a:ext uri="{FF2B5EF4-FFF2-40B4-BE49-F238E27FC236}">
+                <a16:creationId xmlns:a16="http://schemas.microsoft.com/office/drawing/2014/main" id="{7943D68C-F05A-42F8-951A-5488272486B9}"/>
+              </a:ext>
+            </a:extLst>
+          </p:cNvPr>
+          <p:cNvSpPr/>
+          <p:nvPr/>
+        </p:nvSpPr>
+        <p:spPr>
+          <a:xfrm>
+            <a:off x="3754252" y="3429000"/>
+            <a:ext cx="1512168" cy="936104"/>
+          </a:xfrm>
+          <a:prstGeom prst="roundRect">
+            <a:avLst/>
+          </a:prstGeom>
+          <a:solidFill>
+            <a:schemeClr val="accent1"/>
+          </a:solidFill>
+        </p:spPr>
+        <p:style>
+          <a:lnRef idx="2">
+            <a:schemeClr val="accent1">
+              <a:shade val="50000"/>
+            </a:schemeClr>
+          </a:lnRef>
+          <a:fillRef idx="1">
+            <a:schemeClr val="accent1"/>
+          </a:fillRef>
+          <a:effectRef idx="0">
+            <a:schemeClr val="accent1"/>
+          </a:effectRef>
+          <a:fontRef idx="minor">
+            <a:schemeClr val="lt1"/>
+          </a:fontRef>
+        </p:style>
+        <p:txBody>
+          <a:bodyPr rtlCol="0" anchor="ctr"/>
+          <a:lstStyle/>
+          <a:p>
+            <a:pPr algn="ctr"/>
+            <a:r>
+              <a:rPr lang="en-US" dirty="0"/>
+              <a:t>Tokenization</a:t>
+            </a:r>
+          </a:p>
+        </p:txBody>
+      </p:sp>
+      <p:sp>
+        <p:nvSpPr>
+          <p:cNvPr id="10" name="Arrow: Right 9">
+            <a:extLst>
+              <a:ext uri="{FF2B5EF4-FFF2-40B4-BE49-F238E27FC236}">
+                <a16:creationId xmlns:a16="http://schemas.microsoft.com/office/drawing/2014/main" id="{50537FCA-734D-4A63-9751-8AF2820D63FD}"/>
+              </a:ext>
+            </a:extLst>
+          </p:cNvPr>
+          <p:cNvSpPr/>
+          <p:nvPr/>
+        </p:nvSpPr>
+        <p:spPr>
+          <a:xfrm>
+            <a:off x="3275856" y="3606449"/>
+            <a:ext cx="360040" cy="576064"/>
+          </a:xfrm>
+          <a:prstGeom prst="rightArrow">
+            <a:avLst/>
+          </a:prstGeom>
+        </p:spPr>
+        <p:style>
+          <a:lnRef idx="2">
+            <a:schemeClr val="accent1">
+              <a:shade val="50000"/>
+            </a:schemeClr>
+          </a:lnRef>
+          <a:fillRef idx="1">
+            <a:schemeClr val="accent1"/>
+          </a:fillRef>
+          <a:effectRef idx="0">
+            <a:schemeClr val="accent1"/>
+          </a:effectRef>
+          <a:fontRef idx="minor">
+            <a:schemeClr val="lt1"/>
+          </a:fontRef>
+        </p:style>
+        <p:txBody>
+          <a:bodyPr rtlCol="0" anchor="ctr"/>
+          <a:lstStyle/>
+          <a:p>
+            <a:pPr algn="ctr"/>
+            <a:endParaRPr lang="en-US"/>
+          </a:p>
+        </p:txBody>
+      </p:sp>
+      <p:sp>
+        <p:nvSpPr>
+          <p:cNvPr id="11" name="Rectangle: Rounded Corners 10">
+            <a:extLst>
+              <a:ext uri="{FF2B5EF4-FFF2-40B4-BE49-F238E27FC236}">
+                <a16:creationId xmlns:a16="http://schemas.microsoft.com/office/drawing/2014/main" id="{E0E69175-3E70-4452-90CB-0D7A130068BA}"/>
+              </a:ext>
+            </a:extLst>
+          </p:cNvPr>
+          <p:cNvSpPr/>
+          <p:nvPr/>
+        </p:nvSpPr>
+        <p:spPr>
+          <a:xfrm>
+            <a:off x="5975369" y="3377358"/>
+            <a:ext cx="1512168" cy="936104"/>
+          </a:xfrm>
+          <a:prstGeom prst="roundRect">
+            <a:avLst/>
+          </a:prstGeom>
+          <a:solidFill>
+            <a:schemeClr val="accent1"/>
+          </a:solidFill>
+        </p:spPr>
+        <p:style>
+          <a:lnRef idx="2">
+            <a:schemeClr val="accent1">
+              <a:shade val="50000"/>
+            </a:schemeClr>
+          </a:lnRef>
+          <a:fillRef idx="1">
+            <a:schemeClr val="accent1"/>
+          </a:fillRef>
+          <a:effectRef idx="0">
+            <a:schemeClr val="accent1"/>
+          </a:effectRef>
+          <a:fontRef idx="minor">
+            <a:schemeClr val="lt1"/>
+          </a:fontRef>
+        </p:style>
+        <p:txBody>
+          <a:bodyPr rtlCol="0" anchor="ctr"/>
+          <a:lstStyle/>
+          <a:p>
+            <a:pPr algn="ctr"/>
+            <a:r>
+              <a:rPr lang="en-US" dirty="0"/>
+              <a:t>Text Cleaning</a:t>
+            </a:r>
+          </a:p>
+        </p:txBody>
+      </p:sp>
+      <p:sp>
+        <p:nvSpPr>
+          <p:cNvPr id="12" name="Arrow: Right 11">
+            <a:extLst>
+              <a:ext uri="{FF2B5EF4-FFF2-40B4-BE49-F238E27FC236}">
+                <a16:creationId xmlns:a16="http://schemas.microsoft.com/office/drawing/2014/main" id="{F55A01D2-3561-456A-9DB0-EB9EA455BB8D}"/>
+              </a:ext>
+            </a:extLst>
+          </p:cNvPr>
+          <p:cNvSpPr/>
+          <p:nvPr/>
+        </p:nvSpPr>
+        <p:spPr>
+          <a:xfrm>
+            <a:off x="5553349" y="3593695"/>
+            <a:ext cx="360040" cy="576064"/>
+          </a:xfrm>
+          <a:prstGeom prst="rightArrow">
+            <a:avLst/>
+          </a:prstGeom>
+        </p:spPr>
+        <p:style>
+          <a:lnRef idx="2">
+            <a:schemeClr val="accent1">
+              <a:shade val="50000"/>
+            </a:schemeClr>
+          </a:lnRef>
+          <a:fillRef idx="1">
+            <a:schemeClr val="accent1"/>
+          </a:fillRef>
+          <a:effectRef idx="0">
+            <a:schemeClr val="accent1"/>
+          </a:effectRef>
+          <a:fontRef idx="minor">
+            <a:schemeClr val="lt1"/>
+          </a:fontRef>
+        </p:style>
+        <p:txBody>
+          <a:bodyPr rtlCol="0" anchor="ctr"/>
+          <a:lstStyle/>
+          <a:p>
+            <a:pPr algn="ctr"/>
+            <a:endParaRPr lang="en-US"/>
+          </a:p>
+        </p:txBody>
+      </p:sp>
+      <p:sp>
+        <p:nvSpPr>
+          <p:cNvPr id="13" name="Arrow: Down 12">
+            <a:extLst>
+              <a:ext uri="{FF2B5EF4-FFF2-40B4-BE49-F238E27FC236}">
+                <a16:creationId xmlns:a16="http://schemas.microsoft.com/office/drawing/2014/main" id="{E91C9435-B27F-4673-9E4C-E861B3B4F5B9}"/>
+              </a:ext>
+            </a:extLst>
+          </p:cNvPr>
+          <p:cNvSpPr/>
+          <p:nvPr/>
+        </p:nvSpPr>
+        <p:spPr>
+          <a:xfrm>
+            <a:off x="6556883" y="4404564"/>
+            <a:ext cx="576851" cy="408533"/>
+          </a:xfrm>
+          <a:prstGeom prst="downArrow">
+            <a:avLst/>
+          </a:prstGeom>
+        </p:spPr>
+        <p:style>
+          <a:lnRef idx="2">
+            <a:schemeClr val="accent1">
+              <a:shade val="50000"/>
+            </a:schemeClr>
+          </a:lnRef>
+          <a:fillRef idx="1">
+            <a:schemeClr val="accent1"/>
+          </a:fillRef>
+          <a:effectRef idx="0">
+            <a:schemeClr val="accent1"/>
+          </a:effectRef>
+          <a:fontRef idx="minor">
+            <a:schemeClr val="lt1"/>
+          </a:fontRef>
+        </p:style>
+        <p:txBody>
+          <a:bodyPr rtlCol="0" anchor="ctr"/>
+          <a:lstStyle/>
+          <a:p>
+            <a:pPr algn="ctr"/>
+            <a:endParaRPr lang="en-US"/>
+          </a:p>
+        </p:txBody>
+      </p:sp>
+      <p:sp>
+        <p:nvSpPr>
+          <p:cNvPr id="14" name="Rectangle: Rounded Corners 13">
+            <a:extLst>
+              <a:ext uri="{FF2B5EF4-FFF2-40B4-BE49-F238E27FC236}">
+                <a16:creationId xmlns:a16="http://schemas.microsoft.com/office/drawing/2014/main" id="{77087C47-4E67-4FAD-9563-B77AC869E2B6}"/>
+              </a:ext>
+            </a:extLst>
+          </p:cNvPr>
+          <p:cNvSpPr/>
+          <p:nvPr/>
+        </p:nvSpPr>
+        <p:spPr>
+          <a:xfrm>
+            <a:off x="6089225" y="5033092"/>
+            <a:ext cx="1512168" cy="936104"/>
+          </a:xfrm>
+          <a:prstGeom prst="roundRect">
+            <a:avLst/>
+          </a:prstGeom>
+          <a:solidFill>
+            <a:schemeClr val="accent1"/>
+          </a:solidFill>
+        </p:spPr>
+        <p:style>
+          <a:lnRef idx="2">
+            <a:schemeClr val="accent1">
+              <a:shade val="50000"/>
+            </a:schemeClr>
+          </a:lnRef>
+          <a:fillRef idx="1">
+            <a:schemeClr val="accent1"/>
+          </a:fillRef>
+          <a:effectRef idx="0">
+            <a:schemeClr val="accent1"/>
+          </a:effectRef>
+          <a:fontRef idx="minor">
+            <a:schemeClr val="lt1"/>
+          </a:fontRef>
+        </p:style>
+        <p:txBody>
+          <a:bodyPr rtlCol="0" anchor="ctr"/>
+          <a:lstStyle/>
+          <a:p>
+            <a:pPr algn="ctr"/>
+            <a:r>
+              <a:rPr lang="en-US" dirty="0"/>
+              <a:t>Vectorization</a:t>
+            </a:r>
+          </a:p>
+        </p:txBody>
+      </p:sp>
+      <p:sp>
+        <p:nvSpPr>
+          <p:cNvPr id="15" name="Arrow: Left 14">
+            <a:extLst>
+              <a:ext uri="{FF2B5EF4-FFF2-40B4-BE49-F238E27FC236}">
+                <a16:creationId xmlns:a16="http://schemas.microsoft.com/office/drawing/2014/main" id="{64815AF8-2E08-44E9-93D9-5E3C50035484}"/>
+              </a:ext>
+            </a:extLst>
+          </p:cNvPr>
+          <p:cNvSpPr/>
+          <p:nvPr/>
+        </p:nvSpPr>
+        <p:spPr>
+          <a:xfrm>
+            <a:off x="5508104" y="5225298"/>
+            <a:ext cx="360040" cy="473537"/>
+          </a:xfrm>
+          <a:prstGeom prst="leftArrow">
+            <a:avLst/>
+          </a:prstGeom>
+        </p:spPr>
+        <p:style>
+          <a:lnRef idx="2">
+            <a:schemeClr val="accent1">
+              <a:shade val="50000"/>
+            </a:schemeClr>
+          </a:lnRef>
+          <a:fillRef idx="1">
+            <a:schemeClr val="accent1"/>
+          </a:fillRef>
+          <a:effectRef idx="0">
+            <a:schemeClr val="accent1"/>
+          </a:effectRef>
+          <a:fontRef idx="minor">
+            <a:schemeClr val="lt1"/>
+          </a:fontRef>
+        </p:style>
+        <p:txBody>
+          <a:bodyPr rtlCol="0" anchor="ctr"/>
+          <a:lstStyle/>
+          <a:p>
+            <a:pPr algn="ctr"/>
+            <a:endParaRPr lang="en-US"/>
+          </a:p>
+        </p:txBody>
+      </p:sp>
+      <p:sp>
+        <p:nvSpPr>
+          <p:cNvPr id="16" name="Rectangle: Rounded Corners 15">
+            <a:extLst>
+              <a:ext uri="{FF2B5EF4-FFF2-40B4-BE49-F238E27FC236}">
+                <a16:creationId xmlns:a16="http://schemas.microsoft.com/office/drawing/2014/main" id="{0AC46E7A-00BA-4AC8-9FA9-77EB08E77014}"/>
+              </a:ext>
+            </a:extLst>
+          </p:cNvPr>
+          <p:cNvSpPr/>
+          <p:nvPr/>
+        </p:nvSpPr>
+        <p:spPr>
+          <a:xfrm>
+            <a:off x="3815915" y="5039840"/>
+            <a:ext cx="1512168" cy="936104"/>
+          </a:xfrm>
+          <a:prstGeom prst="roundRect">
+            <a:avLst/>
+          </a:prstGeom>
+          <a:solidFill>
+            <a:schemeClr val="accent1"/>
+          </a:solidFill>
+        </p:spPr>
+        <p:style>
+          <a:lnRef idx="2">
+            <a:schemeClr val="accent1">
+              <a:shade val="50000"/>
+            </a:schemeClr>
+          </a:lnRef>
+          <a:fillRef idx="1">
+            <a:schemeClr val="accent1"/>
+          </a:fillRef>
+          <a:effectRef idx="0">
+            <a:schemeClr val="accent1"/>
+          </a:effectRef>
+          <a:fontRef idx="minor">
+            <a:schemeClr val="lt1"/>
+          </a:fontRef>
+        </p:style>
+        <p:txBody>
+          <a:bodyPr rtlCol="0" anchor="ctr"/>
+          <a:lstStyle/>
+          <a:p>
+            <a:pPr algn="ctr"/>
+            <a:r>
+              <a:rPr lang="en-US" dirty="0"/>
+              <a:t>ML Algorithm</a:t>
+            </a:r>
+          </a:p>
+        </p:txBody>
+      </p:sp>
+      <p:sp>
+        <p:nvSpPr>
+          <p:cNvPr id="17" name="Arrow: Left 16">
+            <a:extLst>
+              <a:ext uri="{FF2B5EF4-FFF2-40B4-BE49-F238E27FC236}">
+                <a16:creationId xmlns:a16="http://schemas.microsoft.com/office/drawing/2014/main" id="{D7A2D344-AB0C-4EDE-BF1D-7851F95E6600}"/>
+              </a:ext>
+            </a:extLst>
+          </p:cNvPr>
+          <p:cNvSpPr/>
+          <p:nvPr/>
+        </p:nvSpPr>
+        <p:spPr>
+          <a:xfrm>
+            <a:off x="3297382" y="5225298"/>
+            <a:ext cx="360040" cy="473537"/>
+          </a:xfrm>
+          <a:prstGeom prst="leftArrow">
+            <a:avLst/>
+          </a:prstGeom>
+        </p:spPr>
+        <p:style>
+          <a:lnRef idx="2">
+            <a:schemeClr val="accent1">
+              <a:shade val="50000"/>
+            </a:schemeClr>
+          </a:lnRef>
+          <a:fillRef idx="1">
+            <a:schemeClr val="accent1"/>
+          </a:fillRef>
+          <a:effectRef idx="0">
+            <a:schemeClr val="accent1"/>
+          </a:effectRef>
+          <a:fontRef idx="minor">
+            <a:schemeClr val="lt1"/>
+          </a:fontRef>
+        </p:style>
+        <p:txBody>
+          <a:bodyPr rtlCol="0" anchor="ctr"/>
+          <a:lstStyle/>
+          <a:p>
+            <a:pPr algn="ctr"/>
+            <a:endParaRPr lang="en-US"/>
+          </a:p>
+        </p:txBody>
+      </p:sp>
+      <p:sp>
+        <p:nvSpPr>
+          <p:cNvPr id="18" name="Rectangle: Rounded Corners 17">
+            <a:extLst>
+              <a:ext uri="{FF2B5EF4-FFF2-40B4-BE49-F238E27FC236}">
+                <a16:creationId xmlns:a16="http://schemas.microsoft.com/office/drawing/2014/main" id="{737DAB3C-83B1-4BEF-BAC0-08A86BDCE06D}"/>
+              </a:ext>
+            </a:extLst>
+          </p:cNvPr>
+          <p:cNvSpPr/>
+          <p:nvPr/>
+        </p:nvSpPr>
+        <p:spPr>
+          <a:xfrm>
+            <a:off x="1547899" y="4994014"/>
+            <a:ext cx="1512168" cy="936104"/>
+          </a:xfrm>
+          <a:prstGeom prst="roundRect">
+            <a:avLst/>
+          </a:prstGeom>
+          <a:solidFill>
+            <a:srgbClr val="00B050"/>
+          </a:solidFill>
+        </p:spPr>
+        <p:style>
+          <a:lnRef idx="2">
+            <a:schemeClr val="accent1">
+              <a:shade val="50000"/>
+            </a:schemeClr>
+          </a:lnRef>
+          <a:fillRef idx="1">
+            <a:schemeClr val="accent1"/>
+          </a:fillRef>
+          <a:effectRef idx="0">
+            <a:schemeClr val="accent1"/>
+          </a:effectRef>
+          <a:fontRef idx="minor">
+            <a:schemeClr val="lt1"/>
+          </a:fontRef>
+        </p:style>
+        <p:txBody>
+          <a:bodyPr rtlCol="0" anchor="ctr"/>
+          <a:lstStyle/>
+          <a:p>
+            <a:pPr algn="ctr"/>
+            <a:r>
+              <a:rPr lang="en-US" dirty="0"/>
+              <a:t>Spam Filter</a:t>
+            </a:r>
+          </a:p>
+        </p:txBody>
+      </p:sp>
+      <p:sp>
+        <p:nvSpPr>
+          <p:cNvPr id="19" name="Rectangle 18">
+            <a:extLst>
+              <a:ext uri="{FF2B5EF4-FFF2-40B4-BE49-F238E27FC236}">
+                <a16:creationId xmlns:a16="http://schemas.microsoft.com/office/drawing/2014/main" id="{818915CC-B9EC-40E6-BAF6-A9AE17C54950}"/>
+              </a:ext>
+            </a:extLst>
+          </p:cNvPr>
+          <p:cNvSpPr/>
+          <p:nvPr/>
+        </p:nvSpPr>
+        <p:spPr>
+          <a:xfrm>
+            <a:off x="1331640" y="3229064"/>
+            <a:ext cx="6408712" cy="2936240"/>
+          </a:xfrm>
+          <a:prstGeom prst="rect">
+            <a:avLst/>
+          </a:prstGeom>
+          <a:noFill/>
+          <a:ln>
+            <a:solidFill>
+              <a:srgbClr val="C00000"/>
+            </a:solidFill>
+          </a:ln>
+        </p:spPr>
+        <p:style>
+          <a:lnRef idx="2">
+            <a:schemeClr val="accent1">
+              <a:shade val="50000"/>
+            </a:schemeClr>
+          </a:lnRef>
+          <a:fillRef idx="1">
+            <a:schemeClr val="accent1"/>
+          </a:fillRef>
+          <a:effectRef idx="0">
+            <a:schemeClr val="accent1"/>
+          </a:effectRef>
+          <a:fontRef idx="minor">
+            <a:schemeClr val="lt1"/>
+          </a:fontRef>
+        </p:style>
+        <p:txBody>
+          <a:bodyPr rtlCol="0" anchor="ctr"/>
+          <a:lstStyle/>
+          <a:p>
+            <a:pPr algn="ctr"/>
+            <a:endParaRPr lang="en-US"/>
+          </a:p>
+        </p:txBody>
+      </p:sp>
+      <p:sp>
+        <p:nvSpPr>
+          <p:cNvPr id="20" name="TextBox 19">
+            <a:extLst>
+              <a:ext uri="{FF2B5EF4-FFF2-40B4-BE49-F238E27FC236}">
+                <a16:creationId xmlns:a16="http://schemas.microsoft.com/office/drawing/2014/main" id="{917E59CB-A7C6-40F5-A7CF-1AF4D93768BF}"/>
+              </a:ext>
+            </a:extLst>
+          </p:cNvPr>
+          <p:cNvSpPr txBox="1"/>
+          <p:nvPr/>
+        </p:nvSpPr>
+        <p:spPr>
+          <a:xfrm>
+            <a:off x="1691681" y="4554002"/>
+            <a:ext cx="1265590" cy="369332"/>
+          </a:xfrm>
+          <a:prstGeom prst="rect">
+            <a:avLst/>
+          </a:prstGeom>
+          <a:solidFill>
+            <a:schemeClr val="bg1"/>
+          </a:solidFill>
+          <a:ln>
+            <a:solidFill>
+              <a:srgbClr val="C00000"/>
+            </a:solidFill>
+          </a:ln>
+        </p:spPr>
+        <p:txBody>
+          <a:bodyPr wrap="square" rtlCol="0">
+            <a:spAutoFit/>
+          </a:bodyPr>
+          <a:lstStyle/>
+          <a:p>
+            <a:r>
+              <a:rPr lang="en-US" dirty="0"/>
+              <a:t>ML Model</a:t>
+            </a:r>
+          </a:p>
+        </p:txBody>
+      </p:sp>
+    </p:spTree>
+    <p:extLst>
+      <p:ext uri="{BB962C8B-B14F-4D97-AF65-F5344CB8AC3E}">
+        <p14:creationId xmlns:p14="http://schemas.microsoft.com/office/powerpoint/2010/main" val="1129593677"/>
+      </p:ext>
+    </p:extLst>
+  </p:cSld>
+  <p:clrMapOvr>
+    <a:masterClrMapping/>
+  </p:clrMapOvr>
+</p:sld>
+</file>
+
+<file path=ppt/slides/slide8.xml><?xml version="1.0" encoding="utf-8"?>
+<p:sld xmlns:a="http://schemas.openxmlformats.org/drawingml/2006/main" xmlns:r="http://schemas.openxmlformats.org/officeDocument/2006/relationships" xmlns:p="http://schemas.openxmlformats.org/presentationml/2006/main">
+  <p:cSld>
+    <p:spTree>
+      <p:nvGrpSpPr>
+        <p:cNvPr id="1" name=""/>
+        <p:cNvGrpSpPr/>
+        <p:nvPr/>
+      </p:nvGrpSpPr>
+      <p:grpSpPr>
+        <a:xfrm>
+          <a:off x="0" y="0"/>
+          <a:ext cx="0" cy="0"/>
+          <a:chOff x="0" y="0"/>
+          <a:chExt cx="0" cy="0"/>
+        </a:xfrm>
+      </p:grpSpPr>
+      <p:sp>
+        <p:nvSpPr>
+          <p:cNvPr id="2" name="標題 1"/>
+          <p:cNvSpPr>
+            <a:spLocks noGrp="1"/>
+          </p:cNvSpPr>
+          <p:nvPr>
+            <p:ph type="ctrTitle"/>
+          </p:nvPr>
+        </p:nvSpPr>
+        <p:spPr>
+          <a:xfrm>
+            <a:off x="0" y="2130425"/>
+            <a:ext cx="9144000" cy="1470025"/>
+          </a:xfrm>
+          <a:solidFill>
+            <a:srgbClr val="00B0F0"/>
+          </a:solidFill>
+        </p:spPr>
+        <p:txBody>
+          <a:bodyPr>
+            <a:normAutofit/>
+          </a:bodyPr>
+          <a:lstStyle/>
+          <a:p>
+            <a:r>
+              <a:rPr lang="en-US" altLang="zh-TW" sz="4800" b="1" dirty="0">
+                <a:solidFill>
+                  <a:srgbClr val="FFFF00"/>
+                </a:solidFill>
+              </a:rPr>
+              <a:t>6.1 Quiz</a:t>
+            </a:r>
+            <a:endParaRPr lang="zh-TW" altLang="en-US" sz="4800" b="1" dirty="0">
+              <a:solidFill>
+                <a:srgbClr val="FFFF00"/>
+              </a:solidFill>
+            </a:endParaRPr>
+          </a:p>
+        </p:txBody>
+      </p:sp>
+      <p:sp>
+        <p:nvSpPr>
+          <p:cNvPr id="5" name="日期版面配置區 4"/>
+          <p:cNvSpPr>
+            <a:spLocks noGrp="1"/>
+          </p:cNvSpPr>
+          <p:nvPr>
+            <p:ph type="dt" sz="half" idx="10"/>
+          </p:nvPr>
+        </p:nvSpPr>
+        <p:spPr/>
+        <p:txBody>
+          <a:bodyPr/>
+          <a:lstStyle/>
+          <a:p>
+            <a:fld id="{C389EDC9-19E3-47AC-9C57-C6A24DEA81AD}" type="datetime1">
+              <a:rPr lang="zh-TW" altLang="en-US" smtClean="0"/>
+              <a:pPr/>
+              <a:t>2020/6/18</a:t>
+            </a:fld>
+            <a:endParaRPr lang="zh-TW" altLang="en-US"/>
+          </a:p>
+        </p:txBody>
+      </p:sp>
+      <p:sp>
+        <p:nvSpPr>
+          <p:cNvPr id="6" name="投影片編號版面配置區 5"/>
+          <p:cNvSpPr>
+            <a:spLocks noGrp="1"/>
+          </p:cNvSpPr>
+          <p:nvPr>
+            <p:ph type="sldNum" sz="quarter" idx="12"/>
+          </p:nvPr>
+        </p:nvSpPr>
+        <p:spPr/>
+        <p:txBody>
+          <a:bodyPr/>
+          <a:lstStyle/>
+          <a:p>
+            <a:fld id="{E4D7E63D-91F2-4366-A2C4-1B00C9E2590E}" type="slidenum">
+              <a:rPr lang="zh-TW" altLang="en-US" smtClean="0"/>
+              <a:pPr/>
               <a:t>8</a:t>
             </a:fld>
             <a:endParaRPr lang="zh-TW" altLang="en-US"/>
           </a:p>
         </p:txBody>
       </p:sp>
+      <p:pic>
+        <p:nvPicPr>
+          <p:cNvPr id="7" name="Picture 6">
+            <a:extLst>
+              <a:ext uri="{FF2B5EF4-FFF2-40B4-BE49-F238E27FC236}">
+                <a16:creationId xmlns:a16="http://schemas.microsoft.com/office/drawing/2014/main" id="{1BE488C5-DA27-405E-9F7E-A4EF5DF95762}"/>
+              </a:ext>
+            </a:extLst>
+          </p:cNvPr>
+          <p:cNvPicPr>
+            <a:picLocks noChangeAspect="1"/>
+          </p:cNvPicPr>
+          <p:nvPr/>
+        </p:nvPicPr>
+        <p:blipFill>
+          <a:blip r:embed="rId2"/>
+          <a:stretch>
+            <a:fillRect/>
+          </a:stretch>
+        </p:blipFill>
+        <p:spPr>
+          <a:xfrm>
+            <a:off x="3923928" y="3695964"/>
+            <a:ext cx="1004960" cy="885164"/>
+          </a:xfrm>
+          <a:prstGeom prst="rect">
+            <a:avLst/>
+          </a:prstGeom>
+        </p:spPr>
+      </p:pic>
     </p:spTree>
     <p:extLst>
       <p:ext uri="{BB962C8B-B14F-4D97-AF65-F5344CB8AC3E}">
-        <p14:creationId xmlns:p14="http://schemas.microsoft.com/office/powerpoint/2010/main" val="774443681"/>
+        <p14:creationId xmlns:p14="http://schemas.microsoft.com/office/powerpoint/2010/main" val="2473554574"/>
       </p:ext>
     </p:extLst>
   </p:cSld>
@@ -9083,7 +9991,7 @@
         <p:spPr>
           <a:xfrm>
             <a:off x="425697" y="1259368"/>
-            <a:ext cx="8106743" cy="2673688"/>
+            <a:ext cx="8106743" cy="3609792"/>
           </a:xfrm>
           <a:ln>
             <a:solidFill>
@@ -9129,7 +10037,7 @@
                   <a:schemeClr val="tx1"/>
                 </a:solidFill>
               </a:rPr>
-              <a:t>5. What is vectorization?</a:t>
+              <a:t>1. What is pipeline of text data in NLTK?</a:t>
             </a:r>
           </a:p>
           <a:p>
@@ -9147,7 +10055,7 @@
                   <a:schemeClr val="tx1"/>
                 </a:solidFill>
               </a:rPr>
-              <a:t>Ans: change the text into numbers.</a:t>
+              <a:t>Ans: Raw Data, tokenization, text cleaning, vectorization, ML algorithm, Spam Filter.</a:t>
             </a:r>
           </a:p>
           <a:p>
@@ -9165,7 +10073,7 @@
                   <a:schemeClr val="tx1"/>
                 </a:solidFill>
               </a:rPr>
-              <a:t>6. What is ML algorithm?</a:t>
+              <a:t>2. What is Raw Data in pipeline text data?</a:t>
             </a:r>
           </a:p>
           <a:p>
@@ -9183,7 +10091,7 @@
                   <a:schemeClr val="tx1"/>
                 </a:solidFill>
               </a:rPr>
-              <a:t>Ans: Training the data and generate the ML Model.</a:t>
+              <a:t>Ans: read the text data in character string from URL.</a:t>
             </a:r>
           </a:p>
           <a:p>
@@ -9201,7 +10109,7 @@
                   <a:schemeClr val="tx1"/>
                 </a:solidFill>
               </a:rPr>
-              <a:t>7. What is Spam filter?</a:t>
+              <a:t>3. What is tokenization?</a:t>
             </a:r>
           </a:p>
           <a:p>
@@ -9219,7 +10127,43 @@
                   <a:schemeClr val="tx1"/>
                 </a:solidFill>
               </a:rPr>
-              <a:t>Ans: Spam filter is a ML Model for classifier. It is used to predict the spam or ham mail with input data.</a:t>
+              <a:t>Ans: Convert characters strings into token array.</a:t>
+            </a:r>
+          </a:p>
+          <a:p>
+            <a:pPr marL="342900" indent="-342900" algn="l">
+              <a:buClr>
+                <a:srgbClr val="0070C0"/>
+              </a:buClr>
+              <a:buSzPct val="80000"/>
+              <a:buFont typeface="Wingdings" pitchFamily="2" charset="2"/>
+              <a:buChar char="u"/>
+            </a:pPr>
+            <a:r>
+              <a:rPr lang="en-US" sz="1800" dirty="0">
+                <a:solidFill>
+                  <a:schemeClr val="tx1"/>
+                </a:solidFill>
+              </a:rPr>
+              <a:t>4. What is text cleaning?</a:t>
+            </a:r>
+          </a:p>
+          <a:p>
+            <a:pPr marL="342900" indent="-342900" algn="l">
+              <a:buClr>
+                <a:srgbClr val="0070C0"/>
+              </a:buClr>
+              <a:buSzPct val="80000"/>
+              <a:buFont typeface="Wingdings" pitchFamily="2" charset="2"/>
+              <a:buChar char="u"/>
+            </a:pPr>
+            <a:r>
+              <a:rPr lang="en-US" sz="1800" dirty="0">
+                <a:solidFill>
+                  <a:schemeClr val="tx1"/>
+                </a:solidFill>
+              </a:rPr>
+              <a:t>Ans: Remove the irrelevant “stop words”, e.g., I, am, the, etc. and convert the words into stem, e.g., ‘using’ or ‘used’ change into original root word ‘use’.</a:t>
             </a:r>
           </a:p>
         </p:txBody>
@@ -9339,7 +10283,7 @@
     </p:spTree>
     <p:extLst>
       <p:ext uri="{BB962C8B-B14F-4D97-AF65-F5344CB8AC3E}">
-        <p14:creationId xmlns:p14="http://schemas.microsoft.com/office/powerpoint/2010/main" val="3789832589"/>
+        <p14:creationId xmlns:p14="http://schemas.microsoft.com/office/powerpoint/2010/main" val="774443681"/>
       </p:ext>
     </p:extLst>
   </p:cSld>
